--- a/text/figures/figrue_preperation/Figure2_Pipelinev4.pptx
+++ b/text/figures/figrue_preperation/Figure2_Pipelinev4.pptx
@@ -199,7 +199,7 @@
           <a:p>
             <a:fld id="{80C3A0DF-E67B-874F-B4A4-3E5F3D83D257}" type="datetimeFigureOut">
               <a:rPr lang="en-US" smtClean="0"/>
-              <a:t>1/27/17</a:t>
+              <a:t>3/7/17</a:t>
             </a:fld>
             <a:endParaRPr lang="en-US"/>
           </a:p>
@@ -598,7 +598,7 @@
           <a:p>
             <a:fld id="{4856EAA0-066D-F742-A240-D4440EBDD303}" type="datetimeFigureOut">
               <a:rPr lang="en-US" smtClean="0"/>
-              <a:t>1/27/17</a:t>
+              <a:t>3/7/17</a:t>
             </a:fld>
             <a:endParaRPr lang="en-US"/>
           </a:p>
@@ -768,7 +768,7 @@
           <a:p>
             <a:fld id="{4856EAA0-066D-F742-A240-D4440EBDD303}" type="datetimeFigureOut">
               <a:rPr lang="en-US" smtClean="0"/>
-              <a:t>1/27/17</a:t>
+              <a:t>3/7/17</a:t>
             </a:fld>
             <a:endParaRPr lang="en-US"/>
           </a:p>
@@ -948,7 +948,7 @@
           <a:p>
             <a:fld id="{4856EAA0-066D-F742-A240-D4440EBDD303}" type="datetimeFigureOut">
               <a:rPr lang="en-US" smtClean="0"/>
-              <a:t>1/27/17</a:t>
+              <a:t>3/7/17</a:t>
             </a:fld>
             <a:endParaRPr lang="en-US"/>
           </a:p>
@@ -1118,7 +1118,7 @@
           <a:p>
             <a:fld id="{4856EAA0-066D-F742-A240-D4440EBDD303}" type="datetimeFigureOut">
               <a:rPr lang="en-US" smtClean="0"/>
-              <a:t>1/27/17</a:t>
+              <a:t>3/7/17</a:t>
             </a:fld>
             <a:endParaRPr lang="en-US"/>
           </a:p>
@@ -1362,7 +1362,7 @@
           <a:p>
             <a:fld id="{4856EAA0-066D-F742-A240-D4440EBDD303}" type="datetimeFigureOut">
               <a:rPr lang="en-US" smtClean="0"/>
-              <a:t>1/27/17</a:t>
+              <a:t>3/7/17</a:t>
             </a:fld>
             <a:endParaRPr lang="en-US"/>
           </a:p>
@@ -1594,7 +1594,7 @@
           <a:p>
             <a:fld id="{4856EAA0-066D-F742-A240-D4440EBDD303}" type="datetimeFigureOut">
               <a:rPr lang="en-US" smtClean="0"/>
-              <a:t>1/27/17</a:t>
+              <a:t>3/7/17</a:t>
             </a:fld>
             <a:endParaRPr lang="en-US"/>
           </a:p>
@@ -1961,7 +1961,7 @@
           <a:p>
             <a:fld id="{4856EAA0-066D-F742-A240-D4440EBDD303}" type="datetimeFigureOut">
               <a:rPr lang="en-US" smtClean="0"/>
-              <a:t>1/27/17</a:t>
+              <a:t>3/7/17</a:t>
             </a:fld>
             <a:endParaRPr lang="en-US"/>
           </a:p>
@@ -2079,7 +2079,7 @@
           <a:p>
             <a:fld id="{4856EAA0-066D-F742-A240-D4440EBDD303}" type="datetimeFigureOut">
               <a:rPr lang="en-US" smtClean="0"/>
-              <a:t>1/27/17</a:t>
+              <a:t>3/7/17</a:t>
             </a:fld>
             <a:endParaRPr lang="en-US"/>
           </a:p>
@@ -2174,7 +2174,7 @@
           <a:p>
             <a:fld id="{4856EAA0-066D-F742-A240-D4440EBDD303}" type="datetimeFigureOut">
               <a:rPr lang="en-US" smtClean="0"/>
-              <a:t>1/27/17</a:t>
+              <a:t>3/7/17</a:t>
             </a:fld>
             <a:endParaRPr lang="en-US"/>
           </a:p>
@@ -2451,7 +2451,7 @@
           <a:p>
             <a:fld id="{4856EAA0-066D-F742-A240-D4440EBDD303}" type="datetimeFigureOut">
               <a:rPr lang="en-US" smtClean="0"/>
-              <a:t>1/27/17</a:t>
+              <a:t>3/7/17</a:t>
             </a:fld>
             <a:endParaRPr lang="en-US"/>
           </a:p>
@@ -2708,7 +2708,7 @@
           <a:p>
             <a:fld id="{4856EAA0-066D-F742-A240-D4440EBDD303}" type="datetimeFigureOut">
               <a:rPr lang="en-US" smtClean="0"/>
-              <a:t>1/27/17</a:t>
+              <a:t>3/7/17</a:t>
             </a:fld>
             <a:endParaRPr lang="en-US"/>
           </a:p>
@@ -2921,7 +2921,7 @@
           <a:p>
             <a:fld id="{4856EAA0-066D-F742-A240-D4440EBDD303}" type="datetimeFigureOut">
               <a:rPr lang="en-US" smtClean="0"/>
-              <a:t>1/27/17</a:t>
+              <a:t>3/7/17</a:t>
             </a:fld>
             <a:endParaRPr lang="en-US"/>
           </a:p>
@@ -6984,23 +6984,7 @@
                   <a:prstClr val="black"/>
                 </a:solidFill>
               </a:rPr>
-              <a:t>165</a:t>
-            </a:r>
-            <a:r>
-              <a:rPr lang="en-US" sz="2000" b="1" kern="0" spc="300" dirty="0" smtClean="0">
-                <a:solidFill>
-                  <a:prstClr val="black"/>
-                </a:solidFill>
-              </a:rPr>
-              <a:t> </a:t>
-            </a:r>
-            <a:r>
-              <a:rPr lang="en-US" sz="2000" b="1" kern="0" spc="300" dirty="0" smtClean="0">
-                <a:solidFill>
-                  <a:prstClr val="black"/>
-                </a:solidFill>
-              </a:rPr>
-              <a:t>(for feature search)</a:t>
+              <a:t>165 (for feature search)</a:t>
             </a:r>
             <a:endParaRPr lang="en-US" sz="2000" b="1" kern="0" spc="300" dirty="0">
               <a:solidFill>
@@ -9389,8 +9373,8 @@
         </p:nvSpPr>
         <p:spPr>
           <a:xfrm>
-            <a:off x="279854" y="4595333"/>
-            <a:ext cx="4670901" cy="6421087"/>
+            <a:off x="0" y="4595333"/>
+            <a:ext cx="4950755" cy="6421087"/>
           </a:xfrm>
           <a:prstGeom prst="wedgeRoundRectCallout">
             <a:avLst>
@@ -11057,7 +11041,52 @@
                 <a:ea typeface=""/>
                 <a:cs typeface=""/>
               </a:rPr>
-              <a:t>Recalculate 1000 times</a:t>
+              <a:t>Recalculate </a:t>
+            </a:r>
+            <a:r>
+              <a:rPr lang="en-US" sz="2000" b="1" kern="0" dirty="0" smtClean="0">
+                <a:solidFill>
+                  <a:prstClr val="black"/>
+                </a:solidFill>
+                <a:latin typeface="Calibri"/>
+                <a:ea typeface=""/>
+                <a:cs typeface=""/>
+              </a:rPr>
+              <a:t>60</a:t>
+            </a:r>
+            <a:r>
+              <a:rPr kumimoji="0" lang="en-US" sz="2000" b="1" i="0" u="none" strike="noStrike" kern="0" cap="none" spc="0" normalizeH="0" baseline="0" noProof="0" dirty="0" smtClean="0">
+                <a:ln>
+                  <a:noFill/>
+                </a:ln>
+                <a:solidFill>
+                  <a:prstClr val="black"/>
+                </a:solidFill>
+                <a:effectLst/>
+                <a:uLnTx/>
+                <a:uFillTx/>
+                <a:latin typeface="Calibri"/>
+                <a:ea typeface=""/>
+                <a:cs typeface=""/>
+              </a:rPr>
+              <a:t> </a:t>
+            </a:r>
+            <a:r>
+              <a:rPr kumimoji="0" lang="en-US" sz="2000" b="1" i="0" u="none" strike="noStrike" kern="0" cap="none" spc="0" normalizeH="0" baseline="0" noProof="0" dirty="0" smtClean="0">
+                <a:ln>
+                  <a:noFill/>
+                </a:ln>
+                <a:solidFill>
+                  <a:prstClr val="black"/>
+                </a:solidFill>
+                <a:effectLst/>
+                <a:uLnTx/>
+                <a:uFillTx/>
+                <a:latin typeface="Calibri"/>
+                <a:ea typeface=""/>
+                <a:cs typeface=""/>
+              </a:rPr>
+              <a:t>times</a:t>
             </a:r>
           </a:p>
         </p:txBody>
@@ -12587,8 +12616,8 @@
         </p:nvSpPr>
         <p:spPr>
           <a:xfrm rot="16200000">
-            <a:off x="-1908568" y="6712793"/>
-            <a:ext cx="4942806" cy="707886"/>
+            <a:off x="-1933643" y="6589681"/>
+            <a:ext cx="4942806" cy="954107"/>
           </a:xfrm>
           <a:prstGeom prst="rect">
             <a:avLst/>
@@ -12603,25 +12632,119 @@
           <a:p>
             <a:pPr lvl="0" algn="ctr"/>
             <a:r>
-              <a:rPr lang="en-US" sz="2000" b="1" kern="0" spc="300" dirty="0" smtClean="0">
+              <a:rPr lang="en-US" sz="1400" b="1" kern="0" spc="300" dirty="0">
                 <a:solidFill>
                   <a:prstClr val="black"/>
                 </a:solidFill>
               </a:rPr>
-              <a:t>20 runs for </a:t>
-            </a:r>
-          </a:p>
-          <a:p>
-            <a:pPr lvl="0" algn="ctr"/>
-            <a:r>
-              <a:rPr lang="en-US" sz="2000" b="1" kern="0" spc="300" dirty="0" smtClean="0">
+              <a:t>5</a:t>
+            </a:r>
+            <a:r>
+              <a:rPr lang="en-US" sz="1400" b="1" kern="0" spc="300" dirty="0" smtClean="0">
                 <a:solidFill>
                   <a:prstClr val="black"/>
                 </a:solidFill>
               </a:rPr>
-              <a:t>15 x 15 parameter space</a:t>
-            </a:r>
-            <a:endParaRPr lang="en-US" sz="2000" b="1" kern="0" spc="300" dirty="0">
+              <a:t> </a:t>
+            </a:r>
+            <a:r>
+              <a:rPr lang="en-US" sz="1400" b="1" kern="0" spc="300" dirty="0" smtClean="0">
+                <a:solidFill>
+                  <a:prstClr val="black"/>
+                </a:solidFill>
+              </a:rPr>
+              <a:t>runs </a:t>
+            </a:r>
+            <a:r>
+              <a:rPr lang="en-US" sz="1400" b="1" kern="0" spc="300" smtClean="0">
+                <a:solidFill>
+                  <a:prstClr val="black"/>
+                </a:solidFill>
+              </a:rPr>
+              <a:t>for </a:t>
+            </a:r>
+            <a:r>
+              <a:rPr lang="en-US" sz="1400" b="1" kern="0" spc="300" smtClean="0">
+                <a:solidFill>
+                  <a:prstClr val="black"/>
+                </a:solidFill>
+              </a:rPr>
+              <a:t>2</a:t>
+            </a:r>
+            <a:r>
+              <a:rPr lang="en-US" sz="1400" b="1" kern="0" spc="300" smtClean="0">
+                <a:solidFill>
+                  <a:prstClr val="black"/>
+                </a:solidFill>
+              </a:rPr>
+              <a:t>5 </a:t>
+            </a:r>
+            <a:r>
+              <a:rPr lang="en-US" sz="1400" b="1" kern="0" spc="300" dirty="0" smtClean="0">
+                <a:solidFill>
+                  <a:prstClr val="black"/>
+                </a:solidFill>
+              </a:rPr>
+              <a:t>x </a:t>
+            </a:r>
+            <a:r>
+              <a:rPr lang="en-US" sz="1400" b="1" kern="0" spc="300" dirty="0" smtClean="0">
+                <a:solidFill>
+                  <a:prstClr val="black"/>
+                </a:solidFill>
+              </a:rPr>
+              <a:t>25 </a:t>
+            </a:r>
+            <a:r>
+              <a:rPr lang="en-US" sz="1400" b="1" kern="0" spc="300" dirty="0" smtClean="0">
+                <a:solidFill>
+                  <a:prstClr val="black"/>
+                </a:solidFill>
+              </a:rPr>
+              <a:t>parameter </a:t>
+            </a:r>
+            <a:r>
+              <a:rPr lang="en-US" sz="1400" b="1" kern="0" spc="300" dirty="0" smtClean="0">
+                <a:solidFill>
+                  <a:prstClr val="black"/>
+                </a:solidFill>
+              </a:rPr>
+              <a:t>space</a:t>
+            </a:r>
+          </a:p>
+          <a:p>
+            <a:pPr lvl="0" algn="ctr"/>
+            <a:r>
+              <a:rPr lang="en-US" sz="1400" b="1" kern="0" spc="300" dirty="0" smtClean="0">
+                <a:solidFill>
+                  <a:prstClr val="black"/>
+                </a:solidFill>
+              </a:rPr>
+              <a:t>For 3 kernels SVM</a:t>
+            </a:r>
+          </a:p>
+          <a:p>
+            <a:pPr lvl="0" algn="ctr"/>
+            <a:r>
+              <a:rPr lang="en-US" sz="1400" b="1" kern="0" spc="300" dirty="0" smtClean="0">
+                <a:solidFill>
+                  <a:prstClr val="black"/>
+                </a:solidFill>
+              </a:rPr>
+              <a:t>+</a:t>
+            </a:r>
+          </a:p>
+          <a:p>
+            <a:pPr lvl="0" algn="ctr"/>
+            <a:r>
+              <a:rPr lang="en-US" sz="1400" b="1" kern="0" spc="300" dirty="0" smtClean="0">
+                <a:solidFill>
+                  <a:prstClr val="black"/>
+                </a:solidFill>
+              </a:rPr>
+              <a:t> 3 x 5 x 5 runs for RF</a:t>
+            </a:r>
+            <a:endParaRPr lang="en-US" sz="1400" b="1" kern="0" spc="300" dirty="0">
               <a:solidFill>
                 <a:prstClr val="black"/>
               </a:solidFill>

--- a/text/figures/figrue_preperation/Figure2_Pipelinev4.pptx
+++ b/text/figures/figrue_preperation/Figure2_Pipelinev4.pptx
@@ -199,7 +199,7 @@
           <a:p>
             <a:fld id="{80C3A0DF-E67B-874F-B4A4-3E5F3D83D257}" type="datetimeFigureOut">
               <a:rPr lang="en-US" smtClean="0"/>
-              <a:t>3/7/17</a:t>
+              <a:t>3/20/17</a:t>
             </a:fld>
             <a:endParaRPr lang="en-US"/>
           </a:p>
@@ -598,7 +598,7 @@
           <a:p>
             <a:fld id="{4856EAA0-066D-F742-A240-D4440EBDD303}" type="datetimeFigureOut">
               <a:rPr lang="en-US" smtClean="0"/>
-              <a:t>3/7/17</a:t>
+              <a:t>3/20/17</a:t>
             </a:fld>
             <a:endParaRPr lang="en-US"/>
           </a:p>
@@ -768,7 +768,7 @@
           <a:p>
             <a:fld id="{4856EAA0-066D-F742-A240-D4440EBDD303}" type="datetimeFigureOut">
               <a:rPr lang="en-US" smtClean="0"/>
-              <a:t>3/7/17</a:t>
+              <a:t>3/20/17</a:t>
             </a:fld>
             <a:endParaRPr lang="en-US"/>
           </a:p>
@@ -948,7 +948,7 @@
           <a:p>
             <a:fld id="{4856EAA0-066D-F742-A240-D4440EBDD303}" type="datetimeFigureOut">
               <a:rPr lang="en-US" smtClean="0"/>
-              <a:t>3/7/17</a:t>
+              <a:t>3/20/17</a:t>
             </a:fld>
             <a:endParaRPr lang="en-US"/>
           </a:p>
@@ -1118,7 +1118,7 @@
           <a:p>
             <a:fld id="{4856EAA0-066D-F742-A240-D4440EBDD303}" type="datetimeFigureOut">
               <a:rPr lang="en-US" smtClean="0"/>
-              <a:t>3/7/17</a:t>
+              <a:t>3/20/17</a:t>
             </a:fld>
             <a:endParaRPr lang="en-US"/>
           </a:p>
@@ -1362,7 +1362,7 @@
           <a:p>
             <a:fld id="{4856EAA0-066D-F742-A240-D4440EBDD303}" type="datetimeFigureOut">
               <a:rPr lang="en-US" smtClean="0"/>
-              <a:t>3/7/17</a:t>
+              <a:t>3/20/17</a:t>
             </a:fld>
             <a:endParaRPr lang="en-US"/>
           </a:p>
@@ -1594,7 +1594,7 @@
           <a:p>
             <a:fld id="{4856EAA0-066D-F742-A240-D4440EBDD303}" type="datetimeFigureOut">
               <a:rPr lang="en-US" smtClean="0"/>
-              <a:t>3/7/17</a:t>
+              <a:t>3/20/17</a:t>
             </a:fld>
             <a:endParaRPr lang="en-US"/>
           </a:p>
@@ -1961,7 +1961,7 @@
           <a:p>
             <a:fld id="{4856EAA0-066D-F742-A240-D4440EBDD303}" type="datetimeFigureOut">
               <a:rPr lang="en-US" smtClean="0"/>
-              <a:t>3/7/17</a:t>
+              <a:t>3/20/17</a:t>
             </a:fld>
             <a:endParaRPr lang="en-US"/>
           </a:p>
@@ -2079,7 +2079,7 @@
           <a:p>
             <a:fld id="{4856EAA0-066D-F742-A240-D4440EBDD303}" type="datetimeFigureOut">
               <a:rPr lang="en-US" smtClean="0"/>
-              <a:t>3/7/17</a:t>
+              <a:t>3/20/17</a:t>
             </a:fld>
             <a:endParaRPr lang="en-US"/>
           </a:p>
@@ -2174,7 +2174,7 @@
           <a:p>
             <a:fld id="{4856EAA0-066D-F742-A240-D4440EBDD303}" type="datetimeFigureOut">
               <a:rPr lang="en-US" smtClean="0"/>
-              <a:t>3/7/17</a:t>
+              <a:t>3/20/17</a:t>
             </a:fld>
             <a:endParaRPr lang="en-US"/>
           </a:p>
@@ -2451,7 +2451,7 @@
           <a:p>
             <a:fld id="{4856EAA0-066D-F742-A240-D4440EBDD303}" type="datetimeFigureOut">
               <a:rPr lang="en-US" smtClean="0"/>
-              <a:t>3/7/17</a:t>
+              <a:t>3/20/17</a:t>
             </a:fld>
             <a:endParaRPr lang="en-US"/>
           </a:p>
@@ -2708,7 +2708,7 @@
           <a:p>
             <a:fld id="{4856EAA0-066D-F742-A240-D4440EBDD303}" type="datetimeFigureOut">
               <a:rPr lang="en-US" smtClean="0"/>
-              <a:t>3/7/17</a:t>
+              <a:t>3/20/17</a:t>
             </a:fld>
             <a:endParaRPr lang="en-US"/>
           </a:p>
@@ -2921,7 +2921,7 @@
           <a:p>
             <a:fld id="{4856EAA0-066D-F742-A240-D4440EBDD303}" type="datetimeFigureOut">
               <a:rPr lang="en-US" smtClean="0"/>
-              <a:t>3/7/17</a:t>
+              <a:t>3/20/17</a:t>
             </a:fld>
             <a:endParaRPr lang="en-US"/>
           </a:p>
@@ -11069,24 +11069,7 @@
                 <a:ea typeface=""/>
                 <a:cs typeface=""/>
               </a:rPr>
-              <a:t> </a:t>
-            </a:r>
-            <a:r>
-              <a:rPr kumimoji="0" lang="en-US" sz="2000" b="1" i="0" u="none" strike="noStrike" kern="0" cap="none" spc="0" normalizeH="0" baseline="0" noProof="0" dirty="0" smtClean="0">
-                <a:ln>
-                  <a:noFill/>
-                </a:ln>
-                <a:solidFill>
-                  <a:prstClr val="black"/>
-                </a:solidFill>
-                <a:effectLst/>
-                <a:uLnTx/>
-                <a:uFillTx/>
-                <a:latin typeface="Calibri"/>
-                <a:ea typeface=""/>
-                <a:cs typeface=""/>
-              </a:rPr>
-              <a:t>times</a:t>
+              <a:t> times</a:t>
             </a:r>
           </a:p>
         </p:txBody>
@@ -12615,9 +12598,9 @@
           <p:nvPr/>
         </p:nvSpPr>
         <p:spPr>
-          <a:xfrm rot="16200000">
-            <a:off x="-1933643" y="6589681"/>
-            <a:ext cx="4942806" cy="954107"/>
+          <a:xfrm>
+            <a:off x="4942446" y="8773965"/>
+            <a:ext cx="5343333" cy="338554"/>
           </a:xfrm>
           <a:prstGeom prst="rect">
             <a:avLst/>
@@ -12630,124 +12613,11 @@
           </a:bodyPr>
           <a:lstStyle/>
           <a:p>
-            <a:pPr lvl="0" algn="ctr"/>
-            <a:r>
-              <a:rPr lang="en-US" sz="1400" b="1" kern="0" spc="300" dirty="0">
-                <a:solidFill>
-                  <a:prstClr val="black"/>
-                </a:solidFill>
-              </a:rPr>
-              <a:t>5</a:t>
-            </a:r>
-            <a:r>
-              <a:rPr lang="en-US" sz="1400" b="1" kern="0" spc="300" dirty="0" smtClean="0">
-                <a:solidFill>
-                  <a:prstClr val="black"/>
-                </a:solidFill>
-              </a:rPr>
-              <a:t> </a:t>
-            </a:r>
-            <a:r>
-              <a:rPr lang="en-US" sz="1400" b="1" kern="0" spc="300" dirty="0" smtClean="0">
-                <a:solidFill>
-                  <a:prstClr val="black"/>
-                </a:solidFill>
-              </a:rPr>
-              <a:t>runs </a:t>
-            </a:r>
-            <a:r>
-              <a:rPr lang="en-US" sz="1400" b="1" kern="0" spc="300" smtClean="0">
-                <a:solidFill>
-                  <a:prstClr val="black"/>
-                </a:solidFill>
-              </a:rPr>
-              <a:t>for </a:t>
-            </a:r>
-            <a:r>
-              <a:rPr lang="en-US" sz="1400" b="1" kern="0" spc="300" smtClean="0">
-                <a:solidFill>
-                  <a:prstClr val="black"/>
-                </a:solidFill>
-              </a:rPr>
-              <a:t>2</a:t>
-            </a:r>
-            <a:r>
-              <a:rPr lang="en-US" sz="1400" b="1" kern="0" spc="300" smtClean="0">
-                <a:solidFill>
-                  <a:prstClr val="black"/>
-                </a:solidFill>
-              </a:rPr>
-              <a:t>5 </a:t>
-            </a:r>
-            <a:r>
-              <a:rPr lang="en-US" sz="1400" b="1" kern="0" spc="300" dirty="0" smtClean="0">
-                <a:solidFill>
-                  <a:prstClr val="black"/>
-                </a:solidFill>
-              </a:rPr>
-              <a:t>x </a:t>
-            </a:r>
-            <a:r>
-              <a:rPr lang="en-US" sz="1400" b="1" kern="0" spc="300" dirty="0" smtClean="0">
-                <a:solidFill>
-                  <a:prstClr val="black"/>
-                </a:solidFill>
-              </a:rPr>
-              <a:t>25 </a:t>
-            </a:r>
-            <a:r>
-              <a:rPr lang="en-US" sz="1400" b="1" kern="0" spc="300" dirty="0" smtClean="0">
-                <a:solidFill>
-                  <a:prstClr val="black"/>
-                </a:solidFill>
-              </a:rPr>
-              <a:t>parameter </a:t>
-            </a:r>
-            <a:r>
-              <a:rPr lang="en-US" sz="1400" b="1" kern="0" spc="300" dirty="0" smtClean="0">
-                <a:solidFill>
-                  <a:prstClr val="black"/>
-                </a:solidFill>
-              </a:rPr>
-              <a:t>space</a:t>
-            </a:r>
-          </a:p>
-          <a:p>
-            <a:pPr lvl="0" algn="ctr"/>
-            <a:r>
-              <a:rPr lang="en-US" sz="1400" b="1" kern="0" spc="300" dirty="0" smtClean="0">
-                <a:solidFill>
-                  <a:prstClr val="black"/>
-                </a:solidFill>
-              </a:rPr>
-              <a:t>For 3 kernels SVM</a:t>
-            </a:r>
-          </a:p>
-          <a:p>
-            <a:pPr lvl="0" algn="ctr"/>
-            <a:r>
-              <a:rPr lang="en-US" sz="1400" b="1" kern="0" spc="300" dirty="0" smtClean="0">
-                <a:solidFill>
-                  <a:prstClr val="black"/>
-                </a:solidFill>
-              </a:rPr>
-              <a:t>+</a:t>
-            </a:r>
-          </a:p>
-          <a:p>
-            <a:pPr lvl="0" algn="ctr"/>
-            <a:r>
-              <a:rPr lang="en-US" sz="1400" b="1" kern="0" spc="300" dirty="0" smtClean="0">
-                <a:solidFill>
-                  <a:prstClr val="black"/>
-                </a:solidFill>
-              </a:rPr>
-              <a:t> 3 x 5 x 5 runs for RF</a:t>
-            </a:r>
-            <a:endParaRPr lang="en-US" sz="1400" b="1" kern="0" spc="300" dirty="0">
-              <a:solidFill>
-                <a:prstClr val="black"/>
-              </a:solidFill>
+            <a:pPr lvl="0"/>
+            <a:endParaRPr lang="en-US" sz="1600" b="1" kern="0" dirty="0">
+              <a:latin typeface="Calibri"/>
+              <a:ea typeface=""/>
+              <a:cs typeface=""/>
             </a:endParaRPr>
           </a:p>
         </p:txBody>
@@ -13470,6 +13340,256 @@
           </a:fontRef>
         </p:style>
       </p:cxnSp>
+      <p:sp>
+        <p:nvSpPr>
+          <p:cNvPr id="2" name="Round Diagonal Corner Rectangle 1"/>
+          <p:cNvSpPr/>
+          <p:nvPr/>
+        </p:nvSpPr>
+        <p:spPr>
+          <a:xfrm>
+            <a:off x="4950755" y="8943242"/>
+            <a:ext cx="5270500" cy="2491861"/>
+          </a:xfrm>
+          <a:prstGeom prst="round2DiagRect">
+            <a:avLst/>
+          </a:prstGeom>
+          <a:solidFill>
+            <a:schemeClr val="accent2">
+              <a:lumMod val="60000"/>
+              <a:lumOff val="40000"/>
+              <a:alpha val="25000"/>
+            </a:schemeClr>
+          </a:solidFill>
+        </p:spPr>
+        <p:style>
+          <a:lnRef idx="2">
+            <a:schemeClr val="accent1">
+              <a:shade val="50000"/>
+            </a:schemeClr>
+          </a:lnRef>
+          <a:fillRef idx="1">
+            <a:schemeClr val="accent1"/>
+          </a:fillRef>
+          <a:effectRef idx="0">
+            <a:schemeClr val="accent1"/>
+          </a:effectRef>
+          <a:fontRef idx="minor">
+            <a:schemeClr val="lt1"/>
+          </a:fontRef>
+        </p:style>
+        <p:txBody>
+          <a:bodyPr rtlCol="0" anchor="ctr"/>
+          <a:lstStyle/>
+          <a:p>
+            <a:pPr lvl="0"/>
+            <a:r>
+              <a:rPr lang="en-US" sz="1600" b="1" kern="0" dirty="0">
+                <a:solidFill>
+                  <a:schemeClr val="tx1"/>
+                </a:solidFill>
+              </a:rPr>
+              <a:t>For each model </a:t>
+            </a:r>
+            <a:r>
+              <a:rPr lang="en-US" sz="1600" kern="0" dirty="0">
+                <a:solidFill>
+                  <a:schemeClr val="tx1"/>
+                </a:solidFill>
+              </a:rPr>
+              <a:t>10 train tune data division was generated</a:t>
+            </a:r>
+          </a:p>
+          <a:p>
+            <a:pPr marL="285750" lvl="0" indent="-285750">
+              <a:buFont typeface="Arial" charset="0"/>
+              <a:buChar char="•"/>
+            </a:pPr>
+            <a:r>
+              <a:rPr lang="en-US" sz="1600" kern="0" dirty="0">
+                <a:solidFill>
+                  <a:schemeClr val="tx1"/>
+                </a:solidFill>
+              </a:rPr>
+              <a:t>In SVM </a:t>
+            </a:r>
+            <a:r>
+              <a:rPr lang="en-US" sz="1600" kern="0" dirty="0" smtClean="0">
+                <a:solidFill>
+                  <a:schemeClr val="tx1"/>
+                </a:solidFill>
+              </a:rPr>
+              <a:t>- Linear kernel; 	31 x cost</a:t>
+            </a:r>
+            <a:endParaRPr lang="en-US" sz="1600" kern="0" dirty="0">
+              <a:solidFill>
+                <a:schemeClr val="tx1"/>
+              </a:solidFill>
+            </a:endParaRPr>
+          </a:p>
+          <a:p>
+            <a:pPr marL="285750" lvl="0" indent="-285750">
+              <a:buFont typeface="Arial" charset="0"/>
+              <a:buChar char="•"/>
+            </a:pPr>
+            <a:r>
+              <a:rPr lang="en-US" sz="1600" kern="0" dirty="0">
+                <a:solidFill>
+                  <a:schemeClr val="tx1"/>
+                </a:solidFill>
+              </a:rPr>
+              <a:t>In SVM </a:t>
+            </a:r>
+            <a:r>
+              <a:rPr lang="en-US" sz="1600" kern="0" dirty="0" smtClean="0">
+                <a:solidFill>
+                  <a:schemeClr val="tx1"/>
+                </a:solidFill>
+              </a:rPr>
+              <a:t>- Radial kernel:	31 x cost, 55 x gamma</a:t>
+            </a:r>
+            <a:endParaRPr lang="en-US" sz="1600" kern="0" dirty="0">
+              <a:solidFill>
+                <a:schemeClr val="tx1"/>
+              </a:solidFill>
+            </a:endParaRPr>
+          </a:p>
+          <a:p>
+            <a:pPr marL="285750" indent="-285750">
+              <a:buFont typeface="Arial" charset="0"/>
+              <a:buChar char="•"/>
+            </a:pPr>
+            <a:r>
+              <a:rPr lang="en-US" sz="1600" kern="0" dirty="0">
+                <a:solidFill>
+                  <a:schemeClr val="tx1"/>
+                </a:solidFill>
+              </a:rPr>
+              <a:t>In SVM </a:t>
+            </a:r>
+            <a:r>
+              <a:rPr lang="en-US" sz="1600" kern="0" dirty="0" smtClean="0">
+                <a:solidFill>
+                  <a:schemeClr val="tx1"/>
+                </a:solidFill>
+              </a:rPr>
+              <a:t>- Sigmoid kernel: 	31 x cost, 55 x </a:t>
+            </a:r>
+            <a:r>
+              <a:rPr lang="en-US" sz="1600" kern="0" dirty="0">
+                <a:solidFill>
+                  <a:schemeClr val="tx1"/>
+                </a:solidFill>
+              </a:rPr>
+              <a:t>gamma </a:t>
+            </a:r>
+            <a:endParaRPr lang="en-US" sz="1600" kern="0" dirty="0" smtClean="0">
+              <a:solidFill>
+                <a:schemeClr val="tx1"/>
+              </a:solidFill>
+            </a:endParaRPr>
+          </a:p>
+          <a:p>
+            <a:pPr marL="285750" indent="-285750">
+              <a:buFont typeface="Arial" charset="0"/>
+              <a:buChar char="•"/>
+            </a:pPr>
+            <a:r>
+              <a:rPr lang="en-US" sz="1600" kern="0" smtClean="0">
+                <a:solidFill>
+                  <a:schemeClr val="tx1"/>
+                </a:solidFill>
+              </a:rPr>
+              <a:t>In RF:	7 </a:t>
+            </a:r>
+            <a:r>
+              <a:rPr lang="en-US" sz="1600" kern="0" dirty="0" smtClean="0">
+                <a:solidFill>
+                  <a:schemeClr val="tx1"/>
+                </a:solidFill>
+              </a:rPr>
+              <a:t>x </a:t>
+            </a:r>
+            <a:r>
+              <a:rPr lang="en-US" sz="1600" kern="0" dirty="0" err="1" smtClean="0">
+                <a:solidFill>
+                  <a:schemeClr val="tx1"/>
+                </a:solidFill>
+              </a:rPr>
+              <a:t>mtry</a:t>
+            </a:r>
+            <a:r>
+              <a:rPr lang="en-US" sz="1600" kern="0" dirty="0">
+                <a:solidFill>
+                  <a:schemeClr val="tx1"/>
+                </a:solidFill>
+              </a:rPr>
+              <a:t>, 5 </a:t>
+            </a:r>
+            <a:r>
+              <a:rPr lang="en-US" sz="1600" kern="0" dirty="0" smtClean="0">
+                <a:solidFill>
+                  <a:schemeClr val="tx1"/>
+                </a:solidFill>
+              </a:rPr>
+              <a:t>x </a:t>
+            </a:r>
+            <a:r>
+              <a:rPr lang="en-US" sz="1600" kern="0" dirty="0" err="1">
+                <a:solidFill>
+                  <a:schemeClr val="tx1"/>
+                </a:solidFill>
+              </a:rPr>
+              <a:t>nodesize</a:t>
+            </a:r>
+            <a:r>
+              <a:rPr lang="en-US" sz="1600" kern="0" dirty="0">
+                <a:solidFill>
+                  <a:schemeClr val="tx1"/>
+                </a:solidFill>
+              </a:rPr>
+              <a:t>, 3 </a:t>
+            </a:r>
+            <a:r>
+              <a:rPr lang="en-US" sz="1600" kern="0" dirty="0" smtClean="0">
+                <a:solidFill>
+                  <a:schemeClr val="tx1"/>
+                </a:solidFill>
+              </a:rPr>
+              <a:t>x </a:t>
+            </a:r>
+            <a:r>
+              <a:rPr lang="en-US" sz="1600" kern="0" dirty="0" err="1">
+                <a:solidFill>
+                  <a:schemeClr val="tx1"/>
+                </a:solidFill>
+              </a:rPr>
+              <a:t>ntree</a:t>
+            </a:r>
+            <a:r>
+              <a:rPr lang="en-US" sz="1600" kern="0" dirty="0">
+                <a:solidFill>
+                  <a:schemeClr val="tx1"/>
+                </a:solidFill>
+              </a:rPr>
+              <a:t> </a:t>
+            </a:r>
+            <a:r>
+              <a:rPr lang="en-US" sz="1600" kern="0" dirty="0" smtClean="0">
+                <a:solidFill>
+                  <a:schemeClr val="tx1"/>
+                </a:solidFill>
+              </a:rPr>
+              <a:t>values</a:t>
+            </a:r>
+            <a:endParaRPr lang="en-US" sz="1600" kern="0" dirty="0">
+              <a:solidFill>
+                <a:schemeClr val="tx1"/>
+              </a:solidFill>
+            </a:endParaRPr>
+          </a:p>
+        </p:txBody>
+      </p:sp>
     </p:spTree>
     <p:extLst>
       <p:ext uri="{BB962C8B-B14F-4D97-AF65-F5344CB8AC3E}">
